--- a/idea_presentation/Idea presentation.pptx
+++ b/idea_presentation/Idea presentation.pptx
@@ -6899,7 +6899,7 @@
         </p:nvSpPr>
         <p:spPr>
           <a:xfrm>
-            <a:off x="1204623" y="253497"/>
+            <a:off x="1204623" y="1116128"/>
             <a:ext cx="5956668" cy="551684"/>
           </a:xfrm>
         </p:spPr>
@@ -6932,8 +6932,8 @@
         </p:nvSpPr>
         <p:spPr>
           <a:xfrm>
-            <a:off x="1204623" y="815174"/>
-            <a:ext cx="7269421" cy="5386450"/>
+            <a:off x="1204623" y="1667812"/>
+            <a:ext cx="7269421" cy="3522375"/>
           </a:xfrm>
         </p:spPr>
         <p:txBody>
@@ -6953,24 +6953,34 @@
           <a:p>
             <a:pPr lvl="2"/>
             <a:r>
-              <a:rPr lang="en-US" sz="1200" u="sng" dirty="0"/>
-              <a:t>Description</a:t>
+              <a:rPr lang="en-US" sz="1200" dirty="0" err="1"/>
+              <a:t>identify_side_effects</a:t>
             </a:r>
             <a:r>
               <a:rPr lang="en-US" sz="1200" dirty="0"/>
-              <a:t>: Doctors/nurses enter a proposed medication and the patient's current medications.</a:t>
-            </a:r>
-          </a:p>
-          <a:p>
-            <a:pPr lvl="2"/>
-            <a:r>
-              <a:rPr lang="en-US" sz="1200" u="sng" dirty="0"/>
-              <a:t>Outcome</a:t>
+              <a:t>(</a:t>
+            </a:r>
+            <a:r>
+              <a:rPr lang="en-US" sz="1200" dirty="0" err="1"/>
+              <a:t>proposed_medication</a:t>
             </a:r>
             <a:r>
               <a:rPr lang="en-US" sz="1200" dirty="0"/>
-              <a:t>: The system outputs potential side effects or confirms the medication is safe.</a:t>
-            </a:r>
+              <a:t>, </a:t>
+            </a:r>
+            <a:r>
+              <a:rPr lang="en-US" sz="1200" dirty="0" err="1"/>
+              <a:t>current_medications</a:t>
+            </a:r>
+            <a:r>
+              <a:rPr lang="en-US" sz="1200" dirty="0"/>
+              <a:t>) -&gt; </a:t>
+            </a:r>
+            <a:r>
+              <a:rPr lang="en-US" sz="1200" dirty="0" err="1"/>
+              <a:t>side_effects</a:t>
+            </a:r>
+            <a:endParaRPr lang="en-US" sz="1200" dirty="0"/>
           </a:p>
           <a:p>
             <a:pPr marL="0" lvl="1" indent="0">
@@ -6978,30 +6988,40 @@
             </a:pPr>
             <a:r>
               <a:rPr lang="en-US" sz="1400" b="1" dirty="0"/>
-              <a:t>2. Drug Interaction Evaluation</a:t>
+              <a:t>2. Alternative Medication Suggestions</a:t>
             </a:r>
           </a:p>
           <a:p>
             <a:pPr lvl="2"/>
             <a:r>
+              <a:rPr lang="en-US" sz="1200" u="sng" dirty="0" err="1"/>
+              <a:t>suggest_alternative_medications</a:t>
+            </a:r>
+            <a:r>
               <a:rPr lang="en-US" sz="1200" u="sng" dirty="0"/>
-              <a:t>Description</a:t>
-            </a:r>
-            <a:r>
-              <a:rPr lang="en-US" sz="1200" dirty="0"/>
-              <a:t>: Users assess how a new medication interacts with existing medications.</a:t>
-            </a:r>
-          </a:p>
-          <a:p>
-            <a:pPr lvl="2"/>
+              <a:t>(</a:t>
+            </a:r>
+            <a:r>
+              <a:rPr lang="en-US" sz="1200" u="sng" dirty="0" err="1"/>
+              <a:t>proposed_medication</a:t>
+            </a:r>
             <a:r>
               <a:rPr lang="en-US" sz="1200" u="sng" dirty="0"/>
-              <a:t>Outcome</a:t>
-            </a:r>
-            <a:r>
-              <a:rPr lang="en-US" sz="1200" dirty="0"/>
-              <a:t>: Provides insights into possible adverse interactions, enhancing patient safety.</a:t>
-            </a:r>
+              <a:t>, </a:t>
+            </a:r>
+            <a:r>
+              <a:rPr lang="en-US" sz="1200" u="sng" dirty="0" err="1"/>
+              <a:t>side_effects</a:t>
+            </a:r>
+            <a:r>
+              <a:rPr lang="en-US" sz="1200" u="sng" dirty="0"/>
+              <a:t>) -&gt; </a:t>
+            </a:r>
+            <a:r>
+              <a:rPr lang="en-US" sz="1200" u="sng" dirty="0" err="1"/>
+              <a:t>alternative_medications</a:t>
+            </a:r>
+            <a:endParaRPr lang="en-US" sz="1200" u="sng" dirty="0"/>
           </a:p>
           <a:p>
             <a:pPr marL="0" lvl="1" indent="0">
@@ -7009,30 +7029,40 @@
             </a:pPr>
             <a:r>
               <a:rPr lang="en-US" sz="1400" b="1" dirty="0"/>
-              <a:t>3. Alternative Medication Suggestions</a:t>
+              <a:t>3. Condition-Based Medication Recommendations</a:t>
             </a:r>
           </a:p>
           <a:p>
             <a:pPr lvl="2"/>
             <a:r>
+              <a:rPr lang="en-US" sz="1200" u="sng" dirty="0" err="1"/>
+              <a:t>recommend_medications</a:t>
+            </a:r>
+            <a:r>
               <a:rPr lang="en-US" sz="1200" u="sng" dirty="0"/>
-              <a:t>Description</a:t>
-            </a:r>
-            <a:r>
-              <a:rPr lang="en-US" sz="1200" dirty="0"/>
-              <a:t>: If side effects are identified, the system suggests alternative medications with fewer side effects.</a:t>
-            </a:r>
-          </a:p>
-          <a:p>
-            <a:pPr lvl="2"/>
+              <a:t>(</a:t>
+            </a:r>
+            <a:r>
+              <a:rPr lang="en-US" sz="1200" u="sng" dirty="0" err="1"/>
+              <a:t>current_medications</a:t>
+            </a:r>
             <a:r>
               <a:rPr lang="en-US" sz="1200" u="sng" dirty="0"/>
-              <a:t>Outcome</a:t>
-            </a:r>
-            <a:r>
-              <a:rPr lang="en-US" sz="1200" dirty="0"/>
-              <a:t>: Offers safer treatment options for patients.</a:t>
-            </a:r>
+              <a:t>, </a:t>
+            </a:r>
+            <a:r>
+              <a:rPr lang="en-US" sz="1200" u="sng" dirty="0" err="1"/>
+              <a:t>medical_conditions</a:t>
+            </a:r>
+            <a:r>
+              <a:rPr lang="en-US" sz="1200" u="sng" dirty="0"/>
+              <a:t>) -&gt; </a:t>
+            </a:r>
+            <a:r>
+              <a:rPr lang="en-US" sz="1200" u="sng" dirty="0" err="1"/>
+              <a:t>recommended_medications</a:t>
+            </a:r>
+            <a:endParaRPr lang="en-US" sz="1200" u="sng" dirty="0"/>
           </a:p>
           <a:p>
             <a:pPr marL="0" lvl="1" indent="0">
@@ -7040,61 +7070,40 @@
             </a:pPr>
             <a:r>
               <a:rPr lang="en-US" sz="1400" b="1" dirty="0"/>
-              <a:t>4. Condition-Based Medication Recommendations</a:t>
+              <a:t>4. Current Medication Adjustment</a:t>
             </a:r>
           </a:p>
           <a:p>
             <a:pPr lvl="2"/>
             <a:r>
+              <a:rPr lang="en-US" sz="1200" u="sng" dirty="0" err="1"/>
+              <a:t>adjust_medications</a:t>
+            </a:r>
+            <a:r>
               <a:rPr lang="en-US" sz="1200" u="sng" dirty="0"/>
-              <a:t>Description</a:t>
-            </a:r>
-            <a:r>
-              <a:rPr lang="en-US" sz="1200" dirty="0"/>
-              <a:t>: The system suggests suitable medications based on the patient's current medications and medical conditions.</a:t>
-            </a:r>
-          </a:p>
-          <a:p>
-            <a:pPr lvl="2"/>
+              <a:t>(</a:t>
+            </a:r>
+            <a:r>
+              <a:rPr lang="en-US" sz="1200" u="sng" dirty="0" err="1"/>
+              <a:t>current_medications</a:t>
+            </a:r>
             <a:r>
               <a:rPr lang="en-US" sz="1200" u="sng" dirty="0"/>
-              <a:t>Outcome</a:t>
-            </a:r>
-            <a:r>
-              <a:rPr lang="en-US" sz="1200" dirty="0"/>
-              <a:t>: Personalized medication plans that align with patient health needs.</a:t>
-            </a:r>
-          </a:p>
-          <a:p>
-            <a:pPr marL="0" lvl="1" indent="0">
-              <a:buNone/>
-            </a:pPr>
-            <a:r>
-              <a:rPr lang="en-US" sz="1400" b="1" dirty="0"/>
-              <a:t>5. Current Medication Adjustment</a:t>
-            </a:r>
-          </a:p>
-          <a:p>
-            <a:pPr lvl="2"/>
+              <a:t>, </a:t>
+            </a:r>
+            <a:r>
+              <a:rPr lang="en-US" sz="1200" u="sng" dirty="0" err="1"/>
+              <a:t>required_medication</a:t>
+            </a:r>
             <a:r>
               <a:rPr lang="en-US" sz="1200" u="sng" dirty="0"/>
-              <a:t>Description</a:t>
-            </a:r>
-            <a:r>
-              <a:rPr lang="en-US" sz="1200" dirty="0"/>
-              <a:t>: Evaluates current medications to identify alternatives that allow for the safe administration of required medications.</a:t>
-            </a:r>
-          </a:p>
-          <a:p>
-            <a:pPr lvl="2"/>
-            <a:r>
-              <a:rPr lang="en-US" sz="1200" u="sng" dirty="0"/>
-              <a:t>Outcome</a:t>
-            </a:r>
-            <a:r>
-              <a:rPr lang="en-US" sz="1200" dirty="0"/>
-              <a:t>: Facilitates effective treatment while minimizing risks.</a:t>
-            </a:r>
+              <a:t>) -&gt; </a:t>
+            </a:r>
+            <a:r>
+              <a:rPr lang="en-US" sz="1200" u="sng" dirty="0" err="1"/>
+              <a:t>adjusted_medication_plan</a:t>
+            </a:r>
+            <a:endParaRPr lang="en-US" sz="1200" u="sng" dirty="0"/>
           </a:p>
         </p:txBody>
       </p:sp>
@@ -8513,6 +8522,35 @@
 </file>
 
 <file path=customXml/item1.xml><?xml version="1.0" encoding="utf-8"?>
+<?mso-contentType ?>
+<FormTemplates xmlns="http://schemas.microsoft.com/sharepoint/v3/contenttype/forms">
+  <Display>DocumentLibraryForm</Display>
+  <Edit>DocumentLibraryForm</Edit>
+  <New>DocumentLibraryForm</New>
+</FormTemplates>
+</file>
+
+<file path=customXml/item2.xml><?xml version="1.0" encoding="utf-8"?>
+<p:properties xmlns:p="http://schemas.microsoft.com/office/2006/metadata/properties" xmlns:xsi="http://www.w3.org/2001/XMLSchema-instance" xmlns:pc="http://schemas.microsoft.com/office/infopath/2007/PartnerControls">
+  <documentManagement>
+    <_ip_UnifiedCompliancePolicyUIAction xmlns="http://schemas.microsoft.com/sharepoint/v3" xsi:nil="true"/>
+    <Image xmlns="71af3243-3dd4-4a8d-8c0d-dd76da1f02a5">
+      <Url xsi:nil="true"/>
+      <Description xsi:nil="true"/>
+    </Image>
+    <Status xmlns="71af3243-3dd4-4a8d-8c0d-dd76da1f02a5">Not started</Status>
+    <Background xmlns="71af3243-3dd4-4a8d-8c0d-dd76da1f02a5">false</Background>
+    <_ip_UnifiedCompliancePolicyProperties xmlns="http://schemas.microsoft.com/sharepoint/v3" xsi:nil="true"/>
+    <ImageTagsTaxHTField xmlns="71af3243-3dd4-4a8d-8c0d-dd76da1f02a5">
+      <Terms xmlns="http://schemas.microsoft.com/office/infopath/2007/PartnerControls"/>
+    </ImageTagsTaxHTField>
+    <TaxCatchAll xmlns="230e9df3-be65-4c73-a93b-d1236ebd677e" xsi:nil="true"/>
+    <MediaServiceKeyPoints xmlns="71af3243-3dd4-4a8d-8c0d-dd76da1f02a5" xsi:nil="true"/>
+  </documentManagement>
+</p:properties>
+</file>
+
+<file path=customXml/item3.xml><?xml version="1.0" encoding="utf-8"?>
 <ct:contentTypeSchema xmlns:ct="http://schemas.microsoft.com/office/2006/metadata/contentType" xmlns:ma="http://schemas.microsoft.com/office/2006/metadata/properties/metaAttributes" ct:_="" ma:_="" ma:contentTypeName="Document" ma:contentTypeID="0x01010079F111ED35F8CC479449609E8A0923A6" ma:contentTypeVersion="28" ma:contentTypeDescription="Create a new document." ma:contentTypeScope="" ma:versionID="60f5a4f2d2b0abadcf532d48ebf9cb71">
   <xsd:schema xmlns:xsd="http://www.w3.org/2001/XMLSchema" xmlns:xs="http://www.w3.org/2001/XMLSchema" xmlns:p="http://schemas.microsoft.com/office/2006/metadata/properties" xmlns:ns1="http://schemas.microsoft.com/sharepoint/v3" xmlns:ns2="71af3243-3dd4-4a8d-8c0d-dd76da1f02a5" xmlns:ns3="16c05727-aa75-4e4a-9b5f-8a80a1165891" xmlns:ns4="230e9df3-be65-4c73-a93b-d1236ebd677e" targetNamespace="http://schemas.microsoft.com/office/2006/metadata/properties" ma:root="true" ma:fieldsID="7dd78129e6a1811f84807ad11c651531" ns1:_="" ns2:_="" ns3:_="" ns4:_="">
     <xsd:import namespace="http://schemas.microsoft.com/sharepoint/v3"/>
@@ -8824,36 +8862,27 @@
 </ct:contentTypeSchema>
 </file>
 
-<file path=customXml/item2.xml><?xml version="1.0" encoding="utf-8"?>
-<p:properties xmlns:p="http://schemas.microsoft.com/office/2006/metadata/properties" xmlns:xsi="http://www.w3.org/2001/XMLSchema-instance" xmlns:pc="http://schemas.microsoft.com/office/infopath/2007/PartnerControls">
-  <documentManagement>
-    <_ip_UnifiedCompliancePolicyUIAction xmlns="http://schemas.microsoft.com/sharepoint/v3" xsi:nil="true"/>
-    <Image xmlns="71af3243-3dd4-4a8d-8c0d-dd76da1f02a5">
-      <Url xsi:nil="true"/>
-      <Description xsi:nil="true"/>
-    </Image>
-    <Status xmlns="71af3243-3dd4-4a8d-8c0d-dd76da1f02a5">Not started</Status>
-    <Background xmlns="71af3243-3dd4-4a8d-8c0d-dd76da1f02a5">false</Background>
-    <_ip_UnifiedCompliancePolicyProperties xmlns="http://schemas.microsoft.com/sharepoint/v3" xsi:nil="true"/>
-    <ImageTagsTaxHTField xmlns="71af3243-3dd4-4a8d-8c0d-dd76da1f02a5">
-      <Terms xmlns="http://schemas.microsoft.com/office/infopath/2007/PartnerControls"/>
-    </ImageTagsTaxHTField>
-    <TaxCatchAll xmlns="230e9df3-be65-4c73-a93b-d1236ebd677e" xsi:nil="true"/>
-    <MediaServiceKeyPoints xmlns="71af3243-3dd4-4a8d-8c0d-dd76da1f02a5" xsi:nil="true"/>
-  </documentManagement>
-</p:properties>
+<file path=customXml/itemProps1.xml><?xml version="1.0" encoding="utf-8"?>
+<ds:datastoreItem xmlns:ds="http://schemas.openxmlformats.org/officeDocument/2006/customXml" ds:itemID="{CABF691C-888B-4061-8A6F-D5CE84A0254B}">
+  <ds:schemaRefs>
+    <ds:schemaRef ds:uri="http://schemas.microsoft.com/sharepoint/v3/contenttype/forms"/>
+  </ds:schemaRefs>
+</ds:datastoreItem>
 </file>
 
-<file path=customXml/item3.xml><?xml version="1.0" encoding="utf-8"?>
-<?mso-contentType ?>
-<FormTemplates xmlns="http://schemas.microsoft.com/sharepoint/v3/contenttype/forms">
-  <Display>DocumentLibraryForm</Display>
-  <Edit>DocumentLibraryForm</Edit>
-  <New>DocumentLibraryForm</New>
-</FormTemplates>
+<file path=customXml/itemProps2.xml><?xml version="1.0" encoding="utf-8"?>
+<ds:datastoreItem xmlns:ds="http://schemas.openxmlformats.org/officeDocument/2006/customXml" ds:itemID="{49168DCE-134F-4610-A6AA-88CEBE8D71D2}">
+  <ds:schemaRefs>
+    <ds:schemaRef ds:uri="http://schemas.microsoft.com/office/2006/metadata/properties"/>
+    <ds:schemaRef ds:uri="http://schemas.microsoft.com/office/infopath/2007/PartnerControls"/>
+    <ds:schemaRef ds:uri="http://schemas.microsoft.com/sharepoint/v3"/>
+    <ds:schemaRef ds:uri="71af3243-3dd4-4a8d-8c0d-dd76da1f02a5"/>
+    <ds:schemaRef ds:uri="230e9df3-be65-4c73-a93b-d1236ebd677e"/>
+  </ds:schemaRefs>
+</ds:datastoreItem>
 </file>
 
-<file path=customXml/itemProps1.xml><?xml version="1.0" encoding="utf-8"?>
+<file path=customXml/itemProps3.xml><?xml version="1.0" encoding="utf-8"?>
 <ds:datastoreItem xmlns:ds="http://schemas.openxmlformats.org/officeDocument/2006/customXml" ds:itemID="{5EDE3176-A15D-46A3-BDDB-64A0D7363224}">
   <ds:schemaRefs>
     <ds:schemaRef ds:uri="http://schemas.microsoft.com/office/2006/metadata/contentType"/>
@@ -8874,26 +8903,6 @@
 </ds:datastoreItem>
 </file>
 
-<file path=customXml/itemProps2.xml><?xml version="1.0" encoding="utf-8"?>
-<ds:datastoreItem xmlns:ds="http://schemas.openxmlformats.org/officeDocument/2006/customXml" ds:itemID="{49168DCE-134F-4610-A6AA-88CEBE8D71D2}">
-  <ds:schemaRefs>
-    <ds:schemaRef ds:uri="http://schemas.microsoft.com/office/2006/metadata/properties"/>
-    <ds:schemaRef ds:uri="http://schemas.microsoft.com/office/infopath/2007/PartnerControls"/>
-    <ds:schemaRef ds:uri="http://schemas.microsoft.com/sharepoint/v3"/>
-    <ds:schemaRef ds:uri="71af3243-3dd4-4a8d-8c0d-dd76da1f02a5"/>
-    <ds:schemaRef ds:uri="230e9df3-be65-4c73-a93b-d1236ebd677e"/>
-  </ds:schemaRefs>
-</ds:datastoreItem>
-</file>
-
-<file path=customXml/itemProps3.xml><?xml version="1.0" encoding="utf-8"?>
-<ds:datastoreItem xmlns:ds="http://schemas.openxmlformats.org/officeDocument/2006/customXml" ds:itemID="{CABF691C-888B-4061-8A6F-D5CE84A0254B}">
-  <ds:schemaRefs>
-    <ds:schemaRef ds:uri="http://schemas.microsoft.com/sharepoint/v3/contenttype/forms"/>
-  </ds:schemaRefs>
-</ds:datastoreItem>
-</file>
-
 <file path=docMetadata/LabelInfo.xml><?xml version="1.0" encoding="utf-8"?>
 <clbl:labelList xmlns:clbl="http://schemas.microsoft.com/office/2020/mipLabelMetadata"/>
 </file>
--- a/idea_presentation/Idea presentation.pptx
+++ b/idea_presentation/Idea presentation.pptx
@@ -5,18 +5,19 @@
     <p:sldMasterId id="2147483648" r:id="rId4"/>
   </p:sldMasterIdLst>
   <p:notesMasterIdLst>
-    <p:notesMasterId r:id="rId11"/>
+    <p:notesMasterId r:id="rId12"/>
   </p:notesMasterIdLst>
   <p:handoutMasterIdLst>
-    <p:handoutMasterId r:id="rId12"/>
+    <p:handoutMasterId r:id="rId13"/>
   </p:handoutMasterIdLst>
   <p:sldIdLst>
     <p:sldId id="257" r:id="rId5"/>
-    <p:sldId id="278" r:id="rId6"/>
-    <p:sldId id="258" r:id="rId7"/>
-    <p:sldId id="281" r:id="rId8"/>
-    <p:sldId id="282" r:id="rId9"/>
-    <p:sldId id="280" r:id="rId10"/>
+    <p:sldId id="283" r:id="rId6"/>
+    <p:sldId id="278" r:id="rId7"/>
+    <p:sldId id="258" r:id="rId8"/>
+    <p:sldId id="281" r:id="rId9"/>
+    <p:sldId id="282" r:id="rId10"/>
+    <p:sldId id="280" r:id="rId11"/>
   </p:sldIdLst>
   <p:sldSz cx="12192000" cy="6858000"/>
   <p:notesSz cx="6858000" cy="9144000"/>
@@ -126,6 +127,14 @@
 </p:presentation>
 </file>
 
+<file path=ppt/revisionInfo.xml><?xml version="1.0" encoding="utf-8"?>
+<p1510:revInfo xmlns:a="http://schemas.openxmlformats.org/drawingml/2006/main" xmlns:r="http://schemas.openxmlformats.org/officeDocument/2006/relationships" xmlns:p1510="http://schemas.microsoft.com/office/powerpoint/2015/10/main">
+  <p1510:revLst>
+    <p1510:client id="{9BAC548D-4EDB-987B-C7DB-AB897ABA667F}" v="51" dt="2024-12-09T16:22:48.359"/>
+  </p1510:revLst>
+</p1510:revInfo>
+</file>
+
 <file path=ppt/handoutMasters/handoutMaster1.xml><?xml version="1.0" encoding="utf-8"?>
 <p:handoutMaster xmlns:a="http://schemas.openxmlformats.org/drawingml/2006/main" xmlns:r="http://schemas.openxmlformats.org/officeDocument/2006/relationships" xmlns:p="http://schemas.openxmlformats.org/presentationml/2006/main">
   <p:cSld>
@@ -298,7 +307,7 @@
           <a:p>
             <a:fld id="{28EEFA9E-C190-4F5C-8394-BD5F1CD55C02}" type="slidenum">
               <a:rPr lang="en-US" smtClean="0"/>
-              <a:t>‹#›</a:t>
+              <a:t>‹N°›</a:t>
             </a:fld>
             <a:endParaRPr lang="en-US" dirty="0"/>
           </a:p>
@@ -555,7 +564,7 @@
           <a:p>
             <a:fld id="{22289C57-55D7-40A4-A101-E74FAC7A092B}" type="slidenum">
               <a:rPr lang="en-US" smtClean="0"/>
-              <a:t>‹#›</a:t>
+              <a:t>‹N°›</a:t>
             </a:fld>
             <a:endParaRPr lang="en-US" dirty="0"/>
           </a:p>
@@ -1425,7 +1434,7 @@
             <a:fld id="{A49DFD55-3C28-40EF-9E31-A92D2E4017FF}" type="slidenum">
               <a:rPr lang="en-US" smtClean="0"/>
               <a:pPr/>
-              <a:t>‹#›</a:t>
+              <a:t>‹N°›</a:t>
             </a:fld>
             <a:endParaRPr lang="en-US" dirty="0"/>
           </a:p>
@@ -2072,7 +2081,7 @@
             <a:fld id="{A49DFD55-3C28-40EF-9E31-A92D2E4017FF}" type="slidenum">
               <a:rPr lang="en-US" smtClean="0"/>
               <a:pPr/>
-              <a:t>‹#›</a:t>
+              <a:t>‹N°›</a:t>
             </a:fld>
             <a:endParaRPr lang="en-US" dirty="0"/>
           </a:p>
@@ -2418,7 +2427,7 @@
             <a:fld id="{A49DFD55-3C28-40EF-9E31-A92D2E4017FF}" type="slidenum">
               <a:rPr lang="en-US" smtClean="0"/>
               <a:pPr/>
-              <a:t>‹#›</a:t>
+              <a:t>‹N°›</a:t>
             </a:fld>
             <a:endParaRPr lang="en-US" dirty="0"/>
           </a:p>
@@ -2693,7 +2702,7 @@
             <a:fld id="{A49DFD55-3C28-40EF-9E31-A92D2E4017FF}" type="slidenum">
               <a:rPr lang="en-US" smtClean="0"/>
               <a:pPr/>
-              <a:t>‹#›</a:t>
+              <a:t>‹N°›</a:t>
             </a:fld>
             <a:endParaRPr lang="en-US" dirty="0"/>
           </a:p>
@@ -3023,7 +3032,7 @@
             <a:fld id="{A49DFD55-3C28-40EF-9E31-A92D2E4017FF}" type="slidenum">
               <a:rPr lang="en-US" smtClean="0"/>
               <a:pPr/>
-              <a:t>‹#›</a:t>
+              <a:t>‹N°›</a:t>
             </a:fld>
             <a:endParaRPr lang="en-US" dirty="0"/>
           </a:p>
@@ -3893,7 +3902,7 @@
             <a:fld id="{A49DFD55-3C28-40EF-9E31-A92D2E4017FF}" type="slidenum">
               <a:rPr lang="en-US" smtClean="0"/>
               <a:pPr/>
-              <a:t>‹#›</a:t>
+              <a:t>‹N°›</a:t>
             </a:fld>
             <a:endParaRPr lang="en-US" dirty="0"/>
           </a:p>
@@ -4605,7 +4614,7 @@
             <a:fld id="{A49DFD55-3C28-40EF-9E31-A92D2E4017FF}" type="slidenum">
               <a:rPr lang="en-US" smtClean="0"/>
               <a:pPr/>
-              <a:t>‹#›</a:t>
+              <a:t>‹N°›</a:t>
             </a:fld>
             <a:endParaRPr lang="en-US" dirty="0"/>
           </a:p>
@@ -5260,7 +5269,7 @@
             <a:fld id="{A49DFD55-3C28-40EF-9E31-A92D2E4017FF}" type="slidenum">
               <a:rPr lang="en-US" smtClean="0"/>
               <a:pPr/>
-              <a:t>‹#›</a:t>
+              <a:t>‹N°›</a:t>
             </a:fld>
             <a:endParaRPr lang="en-US" dirty="0"/>
           </a:p>
@@ -5649,7 +5658,7 @@
             <a:fld id="{A49DFD55-3C28-40EF-9E31-A92D2E4017FF}" type="slidenum">
               <a:rPr lang="en-US" smtClean="0"/>
               <a:pPr/>
-              <a:t>‹#›</a:t>
+              <a:t>‹N°›</a:t>
             </a:fld>
             <a:endParaRPr lang="en-US" dirty="0"/>
           </a:p>
@@ -6053,7 +6062,7 @@
           <a:p>
             <a:fld id="{A49DFD55-3C28-40EF-9E31-A92D2E4017FF}" type="slidenum">
               <a:rPr lang="en-US" smtClean="0"/>
-              <a:t>‹#›</a:t>
+              <a:t>‹N°›</a:t>
             </a:fld>
             <a:endParaRPr lang="en-US" dirty="0"/>
           </a:p>
@@ -6777,10 +6786,10 @@
       </p:grpSpPr>
       <p:sp>
         <p:nvSpPr>
-          <p:cNvPr id="2" name="Title 1">
-            <a:extLst>
-              <a:ext uri="{FF2B5EF4-FFF2-40B4-BE49-F238E27FC236}">
-                <a16:creationId xmlns:a16="http://schemas.microsoft.com/office/drawing/2014/main" id="{9528DBD1-DB29-D44F-FD5A-3071BB37EF37}"/>
+          <p:cNvPr id="16" name="Subtitle 2">
+            <a:extLst>
+              <a:ext uri="{FF2B5EF4-FFF2-40B4-BE49-F238E27FC236}">
+                <a16:creationId xmlns:a16="http://schemas.microsoft.com/office/drawing/2014/main" id="{77373474-D5E8-C31E-1B07-087A44C3C13E}"/>
               </a:ext>
             </a:extLst>
           </p:cNvPr>
@@ -6788,73 +6797,155 @@
             <a:spLocks noGrp="1"/>
           </p:cNvSpPr>
           <p:nvPr>
-            <p:ph type="ctrTitle"/>
-          </p:nvPr>
-        </p:nvSpPr>
-        <p:spPr>
-          <a:xfrm>
-            <a:off x="771620" y="2399168"/>
-            <a:ext cx="2704911" cy="713766"/>
+            <p:ph type="subTitle" idx="1"/>
+          </p:nvPr>
+        </p:nvSpPr>
+        <p:spPr>
+          <a:xfrm>
+            <a:off x="2372227" y="3990075"/>
+            <a:ext cx="7458174" cy="1877630"/>
+          </a:xfrm>
+        </p:spPr>
+        <p:txBody>
+          <a:bodyPr vert="horz" lIns="91440" tIns="45720" rIns="91440" bIns="45720" rtlCol="0" anchor="t">
+            <a:normAutofit/>
+          </a:bodyPr>
+          <a:lstStyle/>
+          <a:p>
+            <a:pPr algn="ctr"/>
+            <a:r>
+              <a:rPr lang="en-US" sz="4000" dirty="0">
+                <a:ea typeface="+mn-lt"/>
+                <a:cs typeface="+mn-lt"/>
+              </a:rPr>
+              <a:t>Pharmaceutical Risk Interaction and Safety Monitor</a:t>
+            </a:r>
+            <a:endParaRPr lang="fr-FR" sz="4000"/>
+          </a:p>
+        </p:txBody>
+      </p:sp>
+      <p:sp>
+        <p:nvSpPr>
+          <p:cNvPr id="18" name="Slide Number Placeholder 3">
+            <a:extLst>
+              <a:ext uri="{FF2B5EF4-FFF2-40B4-BE49-F238E27FC236}">
+                <a16:creationId xmlns:a16="http://schemas.microsoft.com/office/drawing/2014/main" id="{12682A92-655A-9080-C1AF-4223ACD9C134}"/>
+              </a:ext>
+            </a:extLst>
+          </p:cNvPr>
+          <p:cNvSpPr>
+            <a:spLocks noGrp="1"/>
+          </p:cNvSpPr>
+          <p:nvPr>
+            <p:ph type="sldNum" sz="quarter" idx="12"/>
+          </p:nvPr>
+        </p:nvSpPr>
+        <p:spPr>
+          <a:xfrm>
+            <a:off x="9579428" y="6356350"/>
+            <a:ext cx="1774371" cy="365125"/>
           </a:xfrm>
         </p:spPr>
         <p:txBody>
           <a:bodyPr/>
           <a:lstStyle/>
           <a:p>
-            <a:r>
-              <a:rPr lang="en-US" dirty="0"/>
-              <a:t>Domain</a:t>
-            </a:r>
-          </a:p>
-        </p:txBody>
-      </p:sp>
-      <p:sp>
-        <p:nvSpPr>
-          <p:cNvPr id="3" name="TextBox 2">
-            <a:extLst>
-              <a:ext uri="{FF2B5EF4-FFF2-40B4-BE49-F238E27FC236}">
-                <a16:creationId xmlns:a16="http://schemas.microsoft.com/office/drawing/2014/main" id="{1BC984D1-95CE-851C-00B1-CAA6441AD84D}"/>
-              </a:ext>
-            </a:extLst>
-          </p:cNvPr>
-          <p:cNvSpPr txBox="1"/>
+            <a:pPr>
+              <a:spcAft>
+                <a:spcPts val="600"/>
+              </a:spcAft>
+            </a:pPr>
+            <a:fld id="{A49DFD55-3C28-40EF-9E31-A92D2E4017FF}" type="slidenum">
+              <a:rPr lang="en-US" smtClean="0"/>
+              <a:pPr>
+                <a:spcAft>
+                  <a:spcPts val="600"/>
+                </a:spcAft>
+              </a:pPr>
+              <a:t>2</a:t>
+            </a:fld>
+            <a:endParaRPr lang="en-US"/>
+          </a:p>
+        </p:txBody>
+      </p:sp>
+      <p:sp>
+        <p:nvSpPr>
+          <p:cNvPr id="4" name="Espace réservé du numéro de diapositive 3" hidden="1">
+            <a:extLst>
+              <a:ext uri="{FF2B5EF4-FFF2-40B4-BE49-F238E27FC236}">
+                <a16:creationId xmlns:a16="http://schemas.microsoft.com/office/drawing/2014/main" id="{B1FDA427-B10B-0E75-B156-F8DF2EFAB505}"/>
+              </a:ext>
+            </a:extLst>
+          </p:cNvPr>
+          <p:cNvSpPr>
+            <a:spLocks noGrp="1"/>
+          </p:cNvSpPr>
+          <p:nvPr>
+            <p:ph type="sldNum" sz="quarter" idx="4294967295"/>
+          </p:nvPr>
+        </p:nvSpPr>
+        <p:spPr>
+          <a:xfrm>
+            <a:off x="10373350" y="6356349"/>
+            <a:ext cx="987552" cy="365125"/>
+          </a:xfrm>
+        </p:spPr>
+        <p:txBody>
+          <a:bodyPr/>
+          <a:lstStyle/>
+          <a:p>
+            <a:pPr>
+              <a:spcAft>
+                <a:spcPts val="600"/>
+              </a:spcAft>
+            </a:pPr>
+            <a:fld id="{A49DFD55-3C28-40EF-9E31-A92D2E4017FF}" type="slidenum">
+              <a:rPr lang="en-US" smtClean="0"/>
+              <a:pPr>
+                <a:spcAft>
+                  <a:spcPts val="600"/>
+                </a:spcAft>
+              </a:pPr>
+              <a:t>2</a:t>
+            </a:fld>
+            <a:endParaRPr lang="en-US"/>
+          </a:p>
+        </p:txBody>
+      </p:sp>
+      <p:pic>
+        <p:nvPicPr>
+          <p:cNvPr id="5" name="Image 4" descr="Une image contenant texte, Police, Graphique, logo&#10;&#10;Description générée automatiquement">
+            <a:extLst>
+              <a:ext uri="{FF2B5EF4-FFF2-40B4-BE49-F238E27FC236}">
+                <a16:creationId xmlns:a16="http://schemas.microsoft.com/office/drawing/2014/main" id="{D0E57033-28E7-C7B7-56B5-C0F557D30BA8}"/>
+              </a:ext>
+            </a:extLst>
+          </p:cNvPr>
+          <p:cNvPicPr>
+            <a:picLocks noChangeAspect="1"/>
+          </p:cNvPicPr>
           <p:nvPr/>
-        </p:nvSpPr>
-        <p:spPr>
-          <a:xfrm>
-            <a:off x="771620" y="3112934"/>
-            <a:ext cx="3512744" cy="646331"/>
+        </p:nvPicPr>
+        <p:blipFill>
+          <a:blip r:embed="rId2"/>
+          <a:stretch>
+            <a:fillRect/>
+          </a:stretch>
+        </p:blipFill>
+        <p:spPr>
+          <a:xfrm>
+            <a:off x="3048000" y="680388"/>
+            <a:ext cx="6096000" cy="3010699"/>
           </a:xfrm>
           <a:prstGeom prst="rect">
             <a:avLst/>
           </a:prstGeom>
-          <a:noFill/>
-        </p:spPr>
-        <p:txBody>
-          <a:bodyPr wrap="square" rtlCol="0">
-            <a:spAutoFit/>
-          </a:bodyPr>
-          <a:lstStyle/>
-          <a:p>
-            <a:pPr marL="285750" indent="-285750">
-              <a:buFont typeface="Wingdings" panose="05000000000000000000" pitchFamily="2" charset="2"/>
-              <a:buChar char="Ø"/>
-            </a:pPr>
-            <a:r>
-              <a:rPr lang="en-US" b="1" i="0" dirty="0">
-                <a:effectLst/>
-                <a:latin typeface="DDG_ProximaNova"/>
-              </a:rPr>
-              <a:t>Pharmaceutical Safety and Drug Interaction Management</a:t>
-            </a:r>
-            <a:endParaRPr lang="en-SE" dirty="0"/>
-          </a:p>
-        </p:txBody>
-      </p:sp>
+        </p:spPr>
+      </p:pic>
     </p:spTree>
     <p:extLst>
       <p:ext uri="{BB962C8B-B14F-4D97-AF65-F5344CB8AC3E}">
-        <p14:creationId xmlns:p14="http://schemas.microsoft.com/office/powerpoint/2010/main" val="608796113"/>
+        <p14:creationId xmlns:p14="http://schemas.microsoft.com/office/powerpoint/2010/main" val="1507065095"/>
       </p:ext>
     </p:extLst>
   </p:cSld>
@@ -6886,6 +6977,112 @@
           <p:cNvPr id="2" name="Title 1">
             <a:extLst>
               <a:ext uri="{FF2B5EF4-FFF2-40B4-BE49-F238E27FC236}">
+                <a16:creationId xmlns:a16="http://schemas.microsoft.com/office/drawing/2014/main" id="{9528DBD1-DB29-D44F-FD5A-3071BB37EF37}"/>
+              </a:ext>
+            </a:extLst>
+          </p:cNvPr>
+          <p:cNvSpPr>
+            <a:spLocks noGrp="1"/>
+          </p:cNvSpPr>
+          <p:nvPr>
+            <p:ph type="ctrTitle"/>
+          </p:nvPr>
+        </p:nvSpPr>
+        <p:spPr>
+          <a:xfrm>
+            <a:off x="771620" y="2399168"/>
+            <a:ext cx="2704911" cy="713766"/>
+          </a:xfrm>
+        </p:spPr>
+        <p:txBody>
+          <a:bodyPr/>
+          <a:lstStyle/>
+          <a:p>
+            <a:r>
+              <a:rPr lang="en-US" dirty="0"/>
+              <a:t>Domain</a:t>
+            </a:r>
+          </a:p>
+        </p:txBody>
+      </p:sp>
+      <p:sp>
+        <p:nvSpPr>
+          <p:cNvPr id="3" name="TextBox 2">
+            <a:extLst>
+              <a:ext uri="{FF2B5EF4-FFF2-40B4-BE49-F238E27FC236}">
+                <a16:creationId xmlns:a16="http://schemas.microsoft.com/office/drawing/2014/main" id="{1BC984D1-95CE-851C-00B1-CAA6441AD84D}"/>
+              </a:ext>
+            </a:extLst>
+          </p:cNvPr>
+          <p:cNvSpPr txBox="1"/>
+          <p:nvPr/>
+        </p:nvSpPr>
+        <p:spPr>
+          <a:xfrm>
+            <a:off x="771620" y="3112934"/>
+            <a:ext cx="3512744" cy="646331"/>
+          </a:xfrm>
+          <a:prstGeom prst="rect">
+            <a:avLst/>
+          </a:prstGeom>
+          <a:noFill/>
+        </p:spPr>
+        <p:txBody>
+          <a:bodyPr wrap="square" rtlCol="0">
+            <a:spAutoFit/>
+          </a:bodyPr>
+          <a:lstStyle/>
+          <a:p>
+            <a:pPr marL="285750" indent="-285750">
+              <a:buFont typeface="Wingdings" panose="05000000000000000000" pitchFamily="2" charset="2"/>
+              <a:buChar char="Ø"/>
+            </a:pPr>
+            <a:r>
+              <a:rPr lang="en-US" b="1" i="0" dirty="0">
+                <a:effectLst/>
+                <a:latin typeface="DDG_ProximaNova"/>
+              </a:rPr>
+              <a:t>Pharmaceutical Safety and Drug Interaction Management</a:t>
+            </a:r>
+            <a:endParaRPr lang="en-SE" dirty="0"/>
+          </a:p>
+        </p:txBody>
+      </p:sp>
+    </p:spTree>
+    <p:extLst>
+      <p:ext uri="{BB962C8B-B14F-4D97-AF65-F5344CB8AC3E}">
+        <p14:creationId xmlns:p14="http://schemas.microsoft.com/office/powerpoint/2010/main" val="608796113"/>
+      </p:ext>
+    </p:extLst>
+  </p:cSld>
+  <p:clrMapOvr>
+    <a:masterClrMapping/>
+  </p:clrMapOvr>
+</p:sld>
+</file>
+
+<file path=ppt/slides/slide4.xml><?xml version="1.0" encoding="utf-8"?>
+<p:sld xmlns:a="http://schemas.openxmlformats.org/drawingml/2006/main" xmlns:r="http://schemas.openxmlformats.org/officeDocument/2006/relationships" xmlns:p="http://schemas.openxmlformats.org/presentationml/2006/main">
+  <p:cSld>
+    <p:spTree>
+      <p:nvGrpSpPr>
+        <p:cNvPr id="1" name=""/>
+        <p:cNvGrpSpPr/>
+        <p:nvPr/>
+      </p:nvGrpSpPr>
+      <p:grpSpPr>
+        <a:xfrm>
+          <a:off x="0" y="0"/>
+          <a:ext cx="0" cy="0"/>
+          <a:chOff x="0" y="0"/>
+          <a:chExt cx="0" cy="0"/>
+        </a:xfrm>
+      </p:grpSpPr>
+      <p:sp>
+        <p:nvSpPr>
+          <p:cNvPr id="2" name="Title 1">
+            <a:extLst>
+              <a:ext uri="{FF2B5EF4-FFF2-40B4-BE49-F238E27FC236}">
                 <a16:creationId xmlns:a16="http://schemas.microsoft.com/office/drawing/2014/main" id="{0A32731C-311B-46F7-A865-6C3AF6B09A47}"/>
               </a:ext>
             </a:extLst>
@@ -7136,7 +7333,7 @@
             <a:fld id="{A49DFD55-3C28-40EF-9E31-A92D2E4017FF}" type="slidenum">
               <a:rPr lang="en-US" smtClean="0"/>
               <a:pPr/>
-              <a:t>3</a:t>
+              <a:t>4</a:t>
             </a:fld>
             <a:endParaRPr lang="en-US" dirty="0"/>
           </a:p>
@@ -7155,7 +7352,7 @@
 </p:sld>
 </file>
 
-<file path=ppt/slides/slide4.xml><?xml version="1.0" encoding="utf-8"?>
+<file path=ppt/slides/slide5.xml><?xml version="1.0" encoding="utf-8"?>
 <p:sld xmlns:a="http://schemas.openxmlformats.org/drawingml/2006/main" xmlns:r="http://schemas.openxmlformats.org/officeDocument/2006/relationships" xmlns:p="http://schemas.openxmlformats.org/presentationml/2006/main">
   <p:cSld>
     <p:spTree>
@@ -7442,7 +7639,7 @@
 </p:sld>
 </file>
 
-<file path=ppt/slides/slide5.xml><?xml version="1.0" encoding="utf-8"?>
+<file path=ppt/slides/slide6.xml><?xml version="1.0" encoding="utf-8"?>
 <p:sld xmlns:a="http://schemas.openxmlformats.org/drawingml/2006/main" xmlns:r="http://schemas.openxmlformats.org/officeDocument/2006/relationships" xmlns:p="http://schemas.openxmlformats.org/presentationml/2006/main">
   <p:cSld>
     <p:spTree>
@@ -7571,7 +7768,7 @@
             <a:fld id="{A49DFD55-3C28-40EF-9E31-A92D2E4017FF}" type="slidenum">
               <a:rPr lang="en-US" smtClean="0"/>
               <a:pPr/>
-              <a:t>5</a:t>
+              <a:t>6</a:t>
             </a:fld>
             <a:endParaRPr lang="en-US" dirty="0"/>
           </a:p>
@@ -7667,7 +7864,7 @@
 </p:sld>
 </file>
 
-<file path=ppt/slides/slide6.xml><?xml version="1.0" encoding="utf-8"?>
+<file path=ppt/slides/slide7.xml><?xml version="1.0" encoding="utf-8"?>
 <p:sld xmlns:a="http://schemas.openxmlformats.org/drawingml/2006/main" xmlns:r="http://schemas.openxmlformats.org/officeDocument/2006/relationships" xmlns:p="http://schemas.openxmlformats.org/presentationml/2006/main">
   <p:cSld>
     <p:spTree>
@@ -8522,15 +8719,6 @@
 </file>
 
 <file path=customXml/item1.xml><?xml version="1.0" encoding="utf-8"?>
-<?mso-contentType ?>
-<FormTemplates xmlns="http://schemas.microsoft.com/sharepoint/v3/contenttype/forms">
-  <Display>DocumentLibraryForm</Display>
-  <Edit>DocumentLibraryForm</Edit>
-  <New>DocumentLibraryForm</New>
-</FormTemplates>
-</file>
-
-<file path=customXml/item2.xml><?xml version="1.0" encoding="utf-8"?>
 <p:properties xmlns:p="http://schemas.microsoft.com/office/2006/metadata/properties" xmlns:xsi="http://www.w3.org/2001/XMLSchema-instance" xmlns:pc="http://schemas.microsoft.com/office/infopath/2007/PartnerControls">
   <documentManagement>
     <_ip_UnifiedCompliancePolicyUIAction xmlns="http://schemas.microsoft.com/sharepoint/v3" xsi:nil="true"/>
@@ -8548,6 +8736,15 @@
     <MediaServiceKeyPoints xmlns="71af3243-3dd4-4a8d-8c0d-dd76da1f02a5" xsi:nil="true"/>
   </documentManagement>
 </p:properties>
+</file>
+
+<file path=customXml/item2.xml><?xml version="1.0" encoding="utf-8"?>
+<?mso-contentType ?>
+<FormTemplates xmlns="http://schemas.microsoft.com/sharepoint/v3/contenttype/forms">
+  <Display>DocumentLibraryForm</Display>
+  <Edit>DocumentLibraryForm</Edit>
+  <New>DocumentLibraryForm</New>
+</FormTemplates>
 </file>
 
 <file path=customXml/item3.xml><?xml version="1.0" encoding="utf-8"?>
@@ -8863,14 +9060,6 @@
 </file>
 
 <file path=customXml/itemProps1.xml><?xml version="1.0" encoding="utf-8"?>
-<ds:datastoreItem xmlns:ds="http://schemas.openxmlformats.org/officeDocument/2006/customXml" ds:itemID="{CABF691C-888B-4061-8A6F-D5CE84A0254B}">
-  <ds:schemaRefs>
-    <ds:schemaRef ds:uri="http://schemas.microsoft.com/sharepoint/v3/contenttype/forms"/>
-  </ds:schemaRefs>
-</ds:datastoreItem>
-</file>
-
-<file path=customXml/itemProps2.xml><?xml version="1.0" encoding="utf-8"?>
 <ds:datastoreItem xmlns:ds="http://schemas.openxmlformats.org/officeDocument/2006/customXml" ds:itemID="{49168DCE-134F-4610-A6AA-88CEBE8D71D2}">
   <ds:schemaRefs>
     <ds:schemaRef ds:uri="http://schemas.microsoft.com/office/2006/metadata/properties"/>
@@ -8878,6 +9067,14 @@
     <ds:schemaRef ds:uri="http://schemas.microsoft.com/sharepoint/v3"/>
     <ds:schemaRef ds:uri="71af3243-3dd4-4a8d-8c0d-dd76da1f02a5"/>
     <ds:schemaRef ds:uri="230e9df3-be65-4c73-a93b-d1236ebd677e"/>
+  </ds:schemaRefs>
+</ds:datastoreItem>
+</file>
+
+<file path=customXml/itemProps2.xml><?xml version="1.0" encoding="utf-8"?>
+<ds:datastoreItem xmlns:ds="http://schemas.openxmlformats.org/officeDocument/2006/customXml" ds:itemID="{CABF691C-888B-4061-8A6F-D5CE84A0254B}">
+  <ds:schemaRefs>
+    <ds:schemaRef ds:uri="http://schemas.microsoft.com/sharepoint/v3/contenttype/forms"/>
   </ds:schemaRefs>
 </ds:datastoreItem>
 </file>

--- a/idea_presentation/Idea presentation.pptx
+++ b/idea_presentation/Idea presentation.pptx
@@ -229,7 +229,7 @@
           <a:p>
             <a:fld id="{B56F32FC-4BD9-442A-A8C6-51598C909FE3}" type="datetimeFigureOut">
               <a:rPr lang="en-US" smtClean="0"/>
-              <a:t>12/9/2024</a:t>
+              <a:t>1/9/2025</a:t>
             </a:fld>
             <a:endParaRPr lang="en-US" dirty="0"/>
           </a:p>
@@ -307,7 +307,7 @@
           <a:p>
             <a:fld id="{28EEFA9E-C190-4F5C-8394-BD5F1CD55C02}" type="slidenum">
               <a:rPr lang="en-US" smtClean="0"/>
-              <a:t>‹N°›</a:t>
+              <a:t>‹#›</a:t>
             </a:fld>
             <a:endParaRPr lang="en-US" dirty="0"/>
           </a:p>
@@ -406,7 +406,7 @@
           <a:p>
             <a:fld id="{056371FA-A98D-41E8-93F4-09945841298A}" type="datetimeFigureOut">
               <a:rPr lang="en-US" smtClean="0"/>
-              <a:t>12/9/2024</a:t>
+              <a:t>1/9/2025</a:t>
             </a:fld>
             <a:endParaRPr lang="en-US" dirty="0"/>
           </a:p>
@@ -564,7 +564,7 @@
           <a:p>
             <a:fld id="{22289C57-55D7-40A4-A101-E74FAC7A092B}" type="slidenum">
               <a:rPr lang="en-US" smtClean="0"/>
-              <a:t>‹N°›</a:t>
+              <a:t>‹#›</a:t>
             </a:fld>
             <a:endParaRPr lang="en-US" dirty="0"/>
           </a:p>
@@ -844,7 +844,7 @@
           <a:p>
             <a:fld id="{22289C57-55D7-40A4-A101-E74FAC7A092B}" type="slidenum">
               <a:rPr lang="en-US" smtClean="0"/>
-              <a:t>2</a:t>
+              <a:t>3</a:t>
             </a:fld>
             <a:endParaRPr lang="en-US" dirty="0"/>
           </a:p>
@@ -928,7 +928,7 @@
           <a:p>
             <a:fld id="{22289C57-55D7-40A4-A101-E74FAC7A092B}" type="slidenum">
               <a:rPr lang="en-US" smtClean="0"/>
-              <a:t>3</a:t>
+              <a:t>4</a:t>
             </a:fld>
             <a:endParaRPr lang="en-US" dirty="0"/>
           </a:p>
@@ -1012,7 +1012,7 @@
           <a:p>
             <a:fld id="{22289C57-55D7-40A4-A101-E74FAC7A092B}" type="slidenum">
               <a:rPr lang="en-US" smtClean="0"/>
-              <a:t>6</a:t>
+              <a:t>7</a:t>
             </a:fld>
             <a:endParaRPr lang="en-US" dirty="0"/>
           </a:p>
@@ -1434,7 +1434,7 @@
             <a:fld id="{A49DFD55-3C28-40EF-9E31-A92D2E4017FF}" type="slidenum">
               <a:rPr lang="en-US" smtClean="0"/>
               <a:pPr/>
-              <a:t>‹N°›</a:t>
+              <a:t>‹#›</a:t>
             </a:fld>
             <a:endParaRPr lang="en-US" dirty="0"/>
           </a:p>
@@ -2081,7 +2081,7 @@
             <a:fld id="{A49DFD55-3C28-40EF-9E31-A92D2E4017FF}" type="slidenum">
               <a:rPr lang="en-US" smtClean="0"/>
               <a:pPr/>
-              <a:t>‹N°›</a:t>
+              <a:t>‹#›</a:t>
             </a:fld>
             <a:endParaRPr lang="en-US" dirty="0"/>
           </a:p>
@@ -2427,7 +2427,7 @@
             <a:fld id="{A49DFD55-3C28-40EF-9E31-A92D2E4017FF}" type="slidenum">
               <a:rPr lang="en-US" smtClean="0"/>
               <a:pPr/>
-              <a:t>‹N°›</a:t>
+              <a:t>‹#›</a:t>
             </a:fld>
             <a:endParaRPr lang="en-US" dirty="0"/>
           </a:p>
@@ -2702,7 +2702,7 @@
             <a:fld id="{A49DFD55-3C28-40EF-9E31-A92D2E4017FF}" type="slidenum">
               <a:rPr lang="en-US" smtClean="0"/>
               <a:pPr/>
-              <a:t>‹N°›</a:t>
+              <a:t>‹#›</a:t>
             </a:fld>
             <a:endParaRPr lang="en-US" dirty="0"/>
           </a:p>
@@ -3032,7 +3032,7 @@
             <a:fld id="{A49DFD55-3C28-40EF-9E31-A92D2E4017FF}" type="slidenum">
               <a:rPr lang="en-US" smtClean="0"/>
               <a:pPr/>
-              <a:t>‹N°›</a:t>
+              <a:t>‹#›</a:t>
             </a:fld>
             <a:endParaRPr lang="en-US" dirty="0"/>
           </a:p>
@@ -3902,7 +3902,7 @@
             <a:fld id="{A49DFD55-3C28-40EF-9E31-A92D2E4017FF}" type="slidenum">
               <a:rPr lang="en-US" smtClean="0"/>
               <a:pPr/>
-              <a:t>‹N°›</a:t>
+              <a:t>‹#›</a:t>
             </a:fld>
             <a:endParaRPr lang="en-US" dirty="0"/>
           </a:p>
@@ -4614,7 +4614,7 @@
             <a:fld id="{A49DFD55-3C28-40EF-9E31-A92D2E4017FF}" type="slidenum">
               <a:rPr lang="en-US" smtClean="0"/>
               <a:pPr/>
-              <a:t>‹N°›</a:t>
+              <a:t>‹#›</a:t>
             </a:fld>
             <a:endParaRPr lang="en-US" dirty="0"/>
           </a:p>
@@ -5269,7 +5269,7 @@
             <a:fld id="{A49DFD55-3C28-40EF-9E31-A92D2E4017FF}" type="slidenum">
               <a:rPr lang="en-US" smtClean="0"/>
               <a:pPr/>
-              <a:t>‹N°›</a:t>
+              <a:t>‹#›</a:t>
             </a:fld>
             <a:endParaRPr lang="en-US" dirty="0"/>
           </a:p>
@@ -5658,7 +5658,7 @@
             <a:fld id="{A49DFD55-3C28-40EF-9E31-A92D2E4017FF}" type="slidenum">
               <a:rPr lang="en-US" smtClean="0"/>
               <a:pPr/>
-              <a:t>‹N°›</a:t>
+              <a:t>‹#›</a:t>
             </a:fld>
             <a:endParaRPr lang="en-US" dirty="0"/>
           </a:p>
@@ -6062,7 +6062,7 @@
           <a:p>
             <a:fld id="{A49DFD55-3C28-40EF-9E31-A92D2E4017FF}" type="slidenum">
               <a:rPr lang="en-US" smtClean="0"/>
-              <a:t>‹N°›</a:t>
+              <a:t>‹#›</a:t>
             </a:fld>
             <a:endParaRPr lang="en-US" dirty="0"/>
           </a:p>
@@ -6808,19 +6808,20 @@
         </p:spPr>
         <p:txBody>
           <a:bodyPr vert="horz" lIns="91440" tIns="45720" rIns="91440" bIns="45720" rtlCol="0" anchor="t">
-            <a:normAutofit/>
+            <a:normAutofit lnSpcReduction="10000"/>
           </a:bodyPr>
           <a:lstStyle/>
           <a:p>
             <a:pPr algn="ctr"/>
             <a:r>
-              <a:rPr lang="en-US" sz="4000" dirty="0">
-                <a:ea typeface="+mn-lt"/>
-                <a:cs typeface="+mn-lt"/>
-              </a:rPr>
-              <a:t>Pharmaceutical Risk Interaction and Safety Monitor</a:t>
-            </a:r>
-            <a:endParaRPr lang="fr-FR" sz="4000"/>
+              <a:rPr lang="en-US" sz="4000" dirty="0"/>
+              <a:t>Predictive and Interactive System for Medications</a:t>
+            </a:r>
+            <a:endParaRPr lang="fr-FR" sz="4000" dirty="0"/>
+          </a:p>
+          <a:p>
+            <a:pPr algn="ctr"/>
+            <a:endParaRPr lang="fr-FR" sz="4000" dirty="0"/>
           </a:p>
         </p:txBody>
       </p:sp>
@@ -8719,35 +8720,6 @@
 </file>
 
 <file path=customXml/item1.xml><?xml version="1.0" encoding="utf-8"?>
-<p:properties xmlns:p="http://schemas.microsoft.com/office/2006/metadata/properties" xmlns:xsi="http://www.w3.org/2001/XMLSchema-instance" xmlns:pc="http://schemas.microsoft.com/office/infopath/2007/PartnerControls">
-  <documentManagement>
-    <_ip_UnifiedCompliancePolicyUIAction xmlns="http://schemas.microsoft.com/sharepoint/v3" xsi:nil="true"/>
-    <Image xmlns="71af3243-3dd4-4a8d-8c0d-dd76da1f02a5">
-      <Url xsi:nil="true"/>
-      <Description xsi:nil="true"/>
-    </Image>
-    <Status xmlns="71af3243-3dd4-4a8d-8c0d-dd76da1f02a5">Not started</Status>
-    <Background xmlns="71af3243-3dd4-4a8d-8c0d-dd76da1f02a5">false</Background>
-    <_ip_UnifiedCompliancePolicyProperties xmlns="http://schemas.microsoft.com/sharepoint/v3" xsi:nil="true"/>
-    <ImageTagsTaxHTField xmlns="71af3243-3dd4-4a8d-8c0d-dd76da1f02a5">
-      <Terms xmlns="http://schemas.microsoft.com/office/infopath/2007/PartnerControls"/>
-    </ImageTagsTaxHTField>
-    <TaxCatchAll xmlns="230e9df3-be65-4c73-a93b-d1236ebd677e" xsi:nil="true"/>
-    <MediaServiceKeyPoints xmlns="71af3243-3dd4-4a8d-8c0d-dd76da1f02a5" xsi:nil="true"/>
-  </documentManagement>
-</p:properties>
-</file>
-
-<file path=customXml/item2.xml><?xml version="1.0" encoding="utf-8"?>
-<?mso-contentType ?>
-<FormTemplates xmlns="http://schemas.microsoft.com/sharepoint/v3/contenttype/forms">
-  <Display>DocumentLibraryForm</Display>
-  <Edit>DocumentLibraryForm</Edit>
-  <New>DocumentLibraryForm</New>
-</FormTemplates>
-</file>
-
-<file path=customXml/item3.xml><?xml version="1.0" encoding="utf-8"?>
 <ct:contentTypeSchema xmlns:ct="http://schemas.microsoft.com/office/2006/metadata/contentType" xmlns:ma="http://schemas.microsoft.com/office/2006/metadata/properties/metaAttributes" ct:_="" ma:_="" ma:contentTypeName="Document" ma:contentTypeID="0x01010079F111ED35F8CC479449609E8A0923A6" ma:contentTypeVersion="28" ma:contentTypeDescription="Create a new document." ma:contentTypeScope="" ma:versionID="60f5a4f2d2b0abadcf532d48ebf9cb71">
   <xsd:schema xmlns:xsd="http://www.w3.org/2001/XMLSchema" xmlns:xs="http://www.w3.org/2001/XMLSchema" xmlns:p="http://schemas.microsoft.com/office/2006/metadata/properties" xmlns:ns1="http://schemas.microsoft.com/sharepoint/v3" xmlns:ns2="71af3243-3dd4-4a8d-8c0d-dd76da1f02a5" xmlns:ns3="16c05727-aa75-4e4a-9b5f-8a80a1165891" xmlns:ns4="230e9df3-be65-4c73-a93b-d1236ebd677e" targetNamespace="http://schemas.microsoft.com/office/2006/metadata/properties" ma:root="true" ma:fieldsID="7dd78129e6a1811f84807ad11c651531" ns1:_="" ns2:_="" ns3:_="" ns4:_="">
     <xsd:import namespace="http://schemas.microsoft.com/sharepoint/v3"/>
@@ -9059,27 +9031,36 @@
 </ct:contentTypeSchema>
 </file>
 
-<file path=customXml/itemProps1.xml><?xml version="1.0" encoding="utf-8"?>
-<ds:datastoreItem xmlns:ds="http://schemas.openxmlformats.org/officeDocument/2006/customXml" ds:itemID="{49168DCE-134F-4610-A6AA-88CEBE8D71D2}">
-  <ds:schemaRefs>
-    <ds:schemaRef ds:uri="http://schemas.microsoft.com/office/2006/metadata/properties"/>
-    <ds:schemaRef ds:uri="http://schemas.microsoft.com/office/infopath/2007/PartnerControls"/>
-    <ds:schemaRef ds:uri="http://schemas.microsoft.com/sharepoint/v3"/>
-    <ds:schemaRef ds:uri="71af3243-3dd4-4a8d-8c0d-dd76da1f02a5"/>
-    <ds:schemaRef ds:uri="230e9df3-be65-4c73-a93b-d1236ebd677e"/>
-  </ds:schemaRefs>
-</ds:datastoreItem>
+<file path=customXml/item2.xml><?xml version="1.0" encoding="utf-8"?>
+<?mso-contentType ?>
+<FormTemplates xmlns="http://schemas.microsoft.com/sharepoint/v3/contenttype/forms">
+  <Display>DocumentLibraryForm</Display>
+  <Edit>DocumentLibraryForm</Edit>
+  <New>DocumentLibraryForm</New>
+</FormTemplates>
 </file>
 
-<file path=customXml/itemProps2.xml><?xml version="1.0" encoding="utf-8"?>
-<ds:datastoreItem xmlns:ds="http://schemas.openxmlformats.org/officeDocument/2006/customXml" ds:itemID="{CABF691C-888B-4061-8A6F-D5CE84A0254B}">
-  <ds:schemaRefs>
-    <ds:schemaRef ds:uri="http://schemas.microsoft.com/sharepoint/v3/contenttype/forms"/>
-  </ds:schemaRefs>
-</ds:datastoreItem>
+<file path=customXml/item3.xml><?xml version="1.0" encoding="utf-8"?>
+<p:properties xmlns:p="http://schemas.microsoft.com/office/2006/metadata/properties" xmlns:xsi="http://www.w3.org/2001/XMLSchema-instance" xmlns:pc="http://schemas.microsoft.com/office/infopath/2007/PartnerControls">
+  <documentManagement>
+    <_ip_UnifiedCompliancePolicyUIAction xmlns="http://schemas.microsoft.com/sharepoint/v3" xsi:nil="true"/>
+    <Image xmlns="71af3243-3dd4-4a8d-8c0d-dd76da1f02a5">
+      <Url xsi:nil="true"/>
+      <Description xsi:nil="true"/>
+    </Image>
+    <Status xmlns="71af3243-3dd4-4a8d-8c0d-dd76da1f02a5">Not started</Status>
+    <Background xmlns="71af3243-3dd4-4a8d-8c0d-dd76da1f02a5">false</Background>
+    <_ip_UnifiedCompliancePolicyProperties xmlns="http://schemas.microsoft.com/sharepoint/v3" xsi:nil="true"/>
+    <ImageTagsTaxHTField xmlns="71af3243-3dd4-4a8d-8c0d-dd76da1f02a5">
+      <Terms xmlns="http://schemas.microsoft.com/office/infopath/2007/PartnerControls"/>
+    </ImageTagsTaxHTField>
+    <TaxCatchAll xmlns="230e9df3-be65-4c73-a93b-d1236ebd677e" xsi:nil="true"/>
+    <MediaServiceKeyPoints xmlns="71af3243-3dd4-4a8d-8c0d-dd76da1f02a5" xsi:nil="true"/>
+  </documentManagement>
+</p:properties>
 </file>
 
-<file path=customXml/itemProps3.xml><?xml version="1.0" encoding="utf-8"?>
+<file path=customXml/itemProps1.xml><?xml version="1.0" encoding="utf-8"?>
 <ds:datastoreItem xmlns:ds="http://schemas.openxmlformats.org/officeDocument/2006/customXml" ds:itemID="{5EDE3176-A15D-46A3-BDDB-64A0D7363224}">
   <ds:schemaRefs>
     <ds:schemaRef ds:uri="http://schemas.microsoft.com/office/2006/metadata/contentType"/>
@@ -9100,6 +9081,26 @@
 </ds:datastoreItem>
 </file>
 
+<file path=customXml/itemProps2.xml><?xml version="1.0" encoding="utf-8"?>
+<ds:datastoreItem xmlns:ds="http://schemas.openxmlformats.org/officeDocument/2006/customXml" ds:itemID="{CABF691C-888B-4061-8A6F-D5CE84A0254B}">
+  <ds:schemaRefs>
+    <ds:schemaRef ds:uri="http://schemas.microsoft.com/sharepoint/v3/contenttype/forms"/>
+  </ds:schemaRefs>
+</ds:datastoreItem>
+</file>
+
+<file path=customXml/itemProps3.xml><?xml version="1.0" encoding="utf-8"?>
+<ds:datastoreItem xmlns:ds="http://schemas.openxmlformats.org/officeDocument/2006/customXml" ds:itemID="{49168DCE-134F-4610-A6AA-88CEBE8D71D2}">
+  <ds:schemaRefs>
+    <ds:schemaRef ds:uri="http://schemas.microsoft.com/office/2006/metadata/properties"/>
+    <ds:schemaRef ds:uri="http://schemas.microsoft.com/office/infopath/2007/PartnerControls"/>
+    <ds:schemaRef ds:uri="http://schemas.microsoft.com/sharepoint/v3"/>
+    <ds:schemaRef ds:uri="71af3243-3dd4-4a8d-8c0d-dd76da1f02a5"/>
+    <ds:schemaRef ds:uri="230e9df3-be65-4c73-a93b-d1236ebd677e"/>
+  </ds:schemaRefs>
+</ds:datastoreItem>
+</file>
+
 <file path=docMetadata/LabelInfo.xml><?xml version="1.0" encoding="utf-8"?>
 <clbl:labelList xmlns:clbl="http://schemas.microsoft.com/office/2020/mipLabelMetadata"/>
 </file>